--- a/doc/design.pptx
+++ b/doc/design.pptx
@@ -7,9 +7,12 @@
   <p:sldIdLst>
     <p:sldId id="256" r:id="rId2"/>
     <p:sldId id="257" r:id="rId3"/>
-    <p:sldId id="258" r:id="rId4"/>
-    <p:sldId id="259" r:id="rId5"/>
-    <p:sldId id="260" r:id="rId6"/>
+    <p:sldId id="263" r:id="rId4"/>
+    <p:sldId id="262" r:id="rId5"/>
+    <p:sldId id="258" r:id="rId6"/>
+    <p:sldId id="259" r:id="rId7"/>
+    <p:sldId id="260" r:id="rId8"/>
+    <p:sldId id="261" r:id="rId9"/>
   </p:sldIdLst>
   <p:sldSz cx="9144000" cy="6858000" type="screen4x3"/>
   <p:notesSz cx="6858000" cy="9144000"/>
@@ -269,11 +272,11 @@
         </c:dLbls>
         <c:marker val="1"/>
         <c:smooth val="0"/>
-        <c:axId val="566346216"/>
-        <c:axId val="566349880"/>
+        <c:axId val="414123640"/>
+        <c:axId val="414126616"/>
       </c:lineChart>
       <c:catAx>
-        <c:axId val="566346216"/>
+        <c:axId val="414123640"/>
         <c:scaling>
           <c:orientation val="minMax"/>
         </c:scaling>
@@ -283,7 +286,7 @@
         <c:majorTickMark val="out"/>
         <c:minorTickMark val="none"/>
         <c:tickLblPos val="nextTo"/>
-        <c:crossAx val="566349880"/>
+        <c:crossAx val="414126616"/>
         <c:crosses val="autoZero"/>
         <c:auto val="1"/>
         <c:lblAlgn val="ctr"/>
@@ -291,7 +294,7 @@
         <c:noMultiLvlLbl val="0"/>
       </c:catAx>
       <c:valAx>
-        <c:axId val="566349880"/>
+        <c:axId val="414126616"/>
         <c:scaling>
           <c:orientation val="minMax"/>
         </c:scaling>
@@ -302,7 +305,7 @@
         <c:majorTickMark val="out"/>
         <c:minorTickMark val="none"/>
         <c:tickLblPos val="nextTo"/>
-        <c:crossAx val="566346216"/>
+        <c:crossAx val="414123640"/>
         <c:crosses val="autoZero"/>
         <c:crossBetween val="between"/>
       </c:valAx>
@@ -518,7 +521,7 @@
           <a:p>
             <a:fld id="{70BA1CFD-BFF0-48BC-9BA5-4974D7A6AB15}" type="datetimeFigureOut">
               <a:rPr lang="en-US" smtClean="0"/>
-              <a:t>27/06/11</a:t>
+              <a:t>29/06/11</a:t>
             </a:fld>
             <a:endParaRPr lang="en-US"/>
           </a:p>
@@ -875,7 +878,7 @@
           <a:p>
             <a:fld id="{70BA1CFD-BFF0-48BC-9BA5-4974D7A6AB15}" type="datetimeFigureOut">
               <a:rPr lang="en-US" smtClean="0"/>
-              <a:t>27/06/11</a:t>
+              <a:t>29/06/11</a:t>
             </a:fld>
             <a:endParaRPr lang="en-US"/>
           </a:p>
@@ -1044,7 +1047,7 @@
           <a:p>
             <a:fld id="{70BA1CFD-BFF0-48BC-9BA5-4974D7A6AB15}" type="datetimeFigureOut">
               <a:rPr lang="en-US" smtClean="0"/>
-              <a:t>27/06/11</a:t>
+              <a:t>29/06/11</a:t>
             </a:fld>
             <a:endParaRPr lang="en-US"/>
           </a:p>
@@ -1223,7 +1226,7 @@
           <a:p>
             <a:fld id="{70BA1CFD-BFF0-48BC-9BA5-4974D7A6AB15}" type="datetimeFigureOut">
               <a:rPr lang="en-US" smtClean="0"/>
-              <a:t>27/06/11</a:t>
+              <a:t>29/06/11</a:t>
             </a:fld>
             <a:endParaRPr lang="en-US"/>
           </a:p>
@@ -1392,7 +1395,7 @@
           <a:p>
             <a:fld id="{70BA1CFD-BFF0-48BC-9BA5-4974D7A6AB15}" type="datetimeFigureOut">
               <a:rPr lang="en-US" smtClean="0"/>
-              <a:t>27/06/11</a:t>
+              <a:t>29/06/11</a:t>
             </a:fld>
             <a:endParaRPr lang="en-US"/>
           </a:p>
@@ -1669,7 +1672,7 @@
           <a:p>
             <a:fld id="{70BA1CFD-BFF0-48BC-9BA5-4974D7A6AB15}" type="datetimeFigureOut">
               <a:rPr lang="en-US" smtClean="0"/>
-              <a:t>27/06/11</a:t>
+              <a:t>29/06/11</a:t>
             </a:fld>
             <a:endParaRPr lang="en-US"/>
           </a:p>
@@ -1961,7 +1964,7 @@
           <a:p>
             <a:fld id="{70BA1CFD-BFF0-48BC-9BA5-4974D7A6AB15}" type="datetimeFigureOut">
               <a:rPr lang="en-US" smtClean="0"/>
-              <a:t>27/06/11</a:t>
+              <a:t>29/06/11</a:t>
             </a:fld>
             <a:endParaRPr lang="en-US"/>
           </a:p>
@@ -2397,7 +2400,7 @@
           <a:p>
             <a:fld id="{70BA1CFD-BFF0-48BC-9BA5-4974D7A6AB15}" type="datetimeFigureOut">
               <a:rPr lang="en-US" smtClean="0"/>
-              <a:t>27/06/11</a:t>
+              <a:t>29/06/11</a:t>
             </a:fld>
             <a:endParaRPr lang="en-US"/>
           </a:p>
@@ -2510,7 +2513,7 @@
           <a:p>
             <a:fld id="{70BA1CFD-BFF0-48BC-9BA5-4974D7A6AB15}" type="datetimeFigureOut">
               <a:rPr lang="en-US" smtClean="0"/>
-              <a:t>27/06/11</a:t>
+              <a:t>29/06/11</a:t>
             </a:fld>
             <a:endParaRPr lang="en-US"/>
           </a:p>
@@ -2600,7 +2603,7 @@
           <a:p>
             <a:fld id="{70BA1CFD-BFF0-48BC-9BA5-4974D7A6AB15}" type="datetimeFigureOut">
               <a:rPr lang="en-US" smtClean="0"/>
-              <a:t>27/06/11</a:t>
+              <a:t>29/06/11</a:t>
             </a:fld>
             <a:endParaRPr lang="en-US"/>
           </a:p>
@@ -2937,7 +2940,7 @@
           <a:p>
             <a:fld id="{70BA1CFD-BFF0-48BC-9BA5-4974D7A6AB15}" type="datetimeFigureOut">
               <a:rPr lang="en-US" smtClean="0"/>
-              <a:t>27/06/11</a:t>
+              <a:t>29/06/11</a:t>
             </a:fld>
             <a:endParaRPr lang="en-US"/>
           </a:p>
@@ -3252,7 +3255,7 @@
           <a:p>
             <a:fld id="{70BA1CFD-BFF0-48BC-9BA5-4974D7A6AB15}" type="datetimeFigureOut">
               <a:rPr lang="en-US" smtClean="0"/>
-              <a:t>27/06/11</a:t>
+              <a:t>29/06/11</a:t>
             </a:fld>
             <a:endParaRPr lang="en-US"/>
           </a:p>
@@ -3498,7 +3501,7 @@
           <a:p>
             <a:fld id="{70BA1CFD-BFF0-48BC-9BA5-4974D7A6AB15}" type="datetimeFigureOut">
               <a:rPr lang="en-US" smtClean="0"/>
-              <a:t>27/06/11</a:t>
+              <a:t>29/06/11</a:t>
             </a:fld>
             <a:endParaRPr lang="en-US"/>
           </a:p>
@@ -4076,16 +4079,16 @@
       </p:sp>
       <p:sp>
         <p:nvSpPr>
-          <p:cNvPr id="6" name="Rectangle 5"/>
+          <p:cNvPr id="5" name="Rounded Rectangle 4"/>
           <p:cNvSpPr/>
           <p:nvPr/>
         </p:nvSpPr>
         <p:spPr>
           <a:xfrm>
-            <a:off x="1294513" y="1882588"/>
-            <a:ext cx="2222648" cy="999207"/>
+            <a:off x="2870791" y="2336423"/>
+            <a:ext cx="3402418" cy="994477"/>
           </a:xfrm>
-          <a:prstGeom prst="rect">
+          <a:prstGeom prst="roundRect">
             <a:avLst/>
           </a:prstGeom>
         </p:spPr>
@@ -4109,24 +4112,24 @@
           <a:p>
             <a:pPr algn="ctr"/>
             <a:r>
-              <a:rPr lang="en-US" sz="4000"/>
-              <a:t>Nadal</a:t>
-            </a:r>
-          </a:p>
-        </p:txBody>
-      </p:sp>
-      <p:sp>
-        <p:nvSpPr>
-          <p:cNvPr id="7" name="Rectangle 6"/>
+              <a:rPr lang="en-US" sz="3200"/>
+              <a:t>New Match</a:t>
+            </a:r>
+          </a:p>
+        </p:txBody>
+      </p:sp>
+      <p:sp>
+        <p:nvSpPr>
+          <p:cNvPr id="33" name="Rounded Rectangle 32"/>
           <p:cNvSpPr/>
           <p:nvPr/>
         </p:nvSpPr>
         <p:spPr>
           <a:xfrm>
-            <a:off x="5635728" y="1882588"/>
-            <a:ext cx="2222648" cy="999207"/>
+            <a:off x="2870791" y="3686989"/>
+            <a:ext cx="3402418" cy="994477"/>
           </a:xfrm>
-          <a:prstGeom prst="rect">
+          <a:prstGeom prst="roundRect">
             <a:avLst/>
           </a:prstGeom>
         </p:spPr>
@@ -4150,52 +4153,23 @@
           <a:p>
             <a:pPr algn="ctr"/>
             <a:r>
-              <a:rPr lang="en-US" sz="4000"/>
-              <a:t>Federer</a:t>
-            </a:r>
-          </a:p>
-        </p:txBody>
-      </p:sp>
-      <p:sp>
-        <p:nvSpPr>
-          <p:cNvPr id="8" name="TextBox 7"/>
-          <p:cNvSpPr txBox="1"/>
+              <a:rPr lang="en-US" sz="3200"/>
+              <a:t>Players</a:t>
+            </a:r>
+            <a:endParaRPr lang="en-US" sz="3200"/>
+          </a:p>
+        </p:txBody>
+      </p:sp>
+      <p:sp>
+        <p:nvSpPr>
+          <p:cNvPr id="34" name="Rounded Rectangle 33"/>
+          <p:cNvSpPr/>
           <p:nvPr/>
         </p:nvSpPr>
         <p:spPr>
           <a:xfrm>
-            <a:off x="3810256" y="1587429"/>
-            <a:ext cx="1502120" cy="707886"/>
-          </a:xfrm>
-          <a:prstGeom prst="rect">
-            <a:avLst/>
-          </a:prstGeom>
-          <a:noFill/>
-        </p:spPr>
-        <p:txBody>
-          <a:bodyPr wrap="square" rtlCol="0">
-            <a:spAutoFit/>
-          </a:bodyPr>
-          <a:lstStyle/>
-          <a:p>
-            <a:pPr algn="ctr"/>
-            <a:r>
-              <a:rPr lang="en-US" sz="4000"/>
-              <a:t>15 - 30</a:t>
-            </a:r>
-          </a:p>
-        </p:txBody>
-      </p:sp>
-      <p:sp>
-        <p:nvSpPr>
-          <p:cNvPr id="14" name="Rounded Rectangle 13"/>
-          <p:cNvSpPr/>
-          <p:nvPr/>
-        </p:nvSpPr>
-        <p:spPr>
-          <a:xfrm>
-            <a:off x="2137162" y="3211016"/>
-            <a:ext cx="1379998" cy="464493"/>
+            <a:off x="2870791" y="5049536"/>
+            <a:ext cx="3402418" cy="994477"/>
           </a:xfrm>
           <a:prstGeom prst="roundRect">
             <a:avLst/>
@@ -4203,13 +4177,13 @@
         </p:spPr>
         <p:style>
           <a:lnRef idx="1">
-            <a:schemeClr val="accent5"/>
+            <a:schemeClr val="accent1"/>
           </a:lnRef>
           <a:fillRef idx="3">
-            <a:schemeClr val="accent5"/>
+            <a:schemeClr val="accent1"/>
           </a:fillRef>
           <a:effectRef idx="2">
-            <a:schemeClr val="accent5"/>
+            <a:schemeClr val="accent1"/>
           </a:effectRef>
           <a:fontRef idx="minor">
             <a:schemeClr val="lt1"/>
@@ -4221,564 +4195,10 @@
           <a:p>
             <a:pPr algn="ctr"/>
             <a:r>
-              <a:rPr lang="en-US" sz="2400"/>
-              <a:t>ace</a:t>
-            </a:r>
-          </a:p>
-        </p:txBody>
-      </p:sp>
-      <p:sp>
-        <p:nvSpPr>
-          <p:cNvPr id="16" name="Rounded Rectangle 15"/>
-          <p:cNvSpPr/>
-          <p:nvPr/>
-        </p:nvSpPr>
-        <p:spPr>
-          <a:xfrm>
-            <a:off x="2137162" y="4603861"/>
-            <a:ext cx="1379999" cy="463068"/>
-          </a:xfrm>
-          <a:prstGeom prst="roundRect">
-            <a:avLst/>
-          </a:prstGeom>
-        </p:spPr>
-        <p:style>
-          <a:lnRef idx="1">
-            <a:schemeClr val="accent5"/>
-          </a:lnRef>
-          <a:fillRef idx="3">
-            <a:schemeClr val="accent5"/>
-          </a:fillRef>
-          <a:effectRef idx="2">
-            <a:schemeClr val="accent5"/>
-          </a:effectRef>
-          <a:fontRef idx="minor">
-            <a:schemeClr val="lt1"/>
-          </a:fontRef>
-        </p:style>
-        <p:txBody>
-          <a:bodyPr rtlCol="0" anchor="ctr"/>
-          <a:lstStyle/>
-          <a:p>
-            <a:pPr algn="ctr"/>
-            <a:r>
-              <a:rPr lang="en-US" sz="2400"/>
-              <a:t>winner</a:t>
-            </a:r>
-          </a:p>
-        </p:txBody>
-      </p:sp>
-      <p:sp>
-        <p:nvSpPr>
-          <p:cNvPr id="18" name="Rounded Rectangle 17"/>
-          <p:cNvSpPr/>
-          <p:nvPr/>
-        </p:nvSpPr>
-        <p:spPr>
-          <a:xfrm>
-            <a:off x="2137162" y="5299572"/>
-            <a:ext cx="1379999" cy="456725"/>
-          </a:xfrm>
-          <a:prstGeom prst="roundRect">
-            <a:avLst/>
-          </a:prstGeom>
-        </p:spPr>
-        <p:style>
-          <a:lnRef idx="1">
-            <a:schemeClr val="accent5"/>
-          </a:lnRef>
-          <a:fillRef idx="3">
-            <a:schemeClr val="accent5"/>
-          </a:fillRef>
-          <a:effectRef idx="2">
-            <a:schemeClr val="accent5"/>
-          </a:effectRef>
-          <a:fontRef idx="minor">
-            <a:schemeClr val="lt1"/>
-          </a:fontRef>
-        </p:style>
-        <p:txBody>
-          <a:bodyPr rtlCol="0" anchor="ctr"/>
-          <a:lstStyle/>
-          <a:p>
-            <a:pPr algn="ctr"/>
-            <a:r>
-              <a:rPr lang="en-US" sz="2400"/>
-              <a:t>error</a:t>
-            </a:r>
-          </a:p>
-        </p:txBody>
-      </p:sp>
-      <p:sp>
-        <p:nvSpPr>
-          <p:cNvPr id="20" name="Rounded Rectangle 19"/>
-          <p:cNvSpPr/>
-          <p:nvPr/>
-        </p:nvSpPr>
-        <p:spPr>
-          <a:xfrm>
-            <a:off x="3944596" y="3028328"/>
-            <a:ext cx="1282296" cy="415174"/>
-          </a:xfrm>
-          <a:prstGeom prst="roundRect">
-            <a:avLst/>
-          </a:prstGeom>
-        </p:spPr>
-        <p:style>
-          <a:lnRef idx="1">
-            <a:schemeClr val="accent4"/>
-          </a:lnRef>
-          <a:fillRef idx="3">
-            <a:schemeClr val="accent4"/>
-          </a:fillRef>
-          <a:effectRef idx="2">
-            <a:schemeClr val="accent4"/>
-          </a:effectRef>
-          <a:fontRef idx="minor">
-            <a:schemeClr val="lt1"/>
-          </a:fontRef>
-        </p:style>
-        <p:txBody>
-          <a:bodyPr rtlCol="0" anchor="ctr"/>
-          <a:lstStyle/>
-          <a:p>
-            <a:pPr algn="ctr"/>
-            <a:r>
-              <a:rPr lang="en-US" sz="2400"/>
-              <a:t>back</a:t>
-            </a:r>
-          </a:p>
-        </p:txBody>
-      </p:sp>
-      <p:sp>
-        <p:nvSpPr>
-          <p:cNvPr id="21" name="TextBox 20"/>
-          <p:cNvSpPr txBox="1"/>
-          <p:nvPr/>
-        </p:nvSpPr>
-        <p:spPr>
-          <a:xfrm>
-            <a:off x="3944596" y="2460278"/>
-            <a:ext cx="1282296" cy="584776"/>
-          </a:xfrm>
-          <a:prstGeom prst="rect">
-            <a:avLst/>
-          </a:prstGeom>
-          <a:noFill/>
-        </p:spPr>
-        <p:txBody>
-          <a:bodyPr wrap="square" rtlCol="0">
-            <a:spAutoFit/>
-          </a:bodyPr>
-          <a:lstStyle/>
-          <a:p>
-            <a:pPr algn="ctr"/>
-            <a:r>
-              <a:rPr lang="en-US" sz="3200" b="1">
-                <a:ln w="31550" cmpd="sng">
-                  <a:gradFill>
-                    <a:gsLst>
-                      <a:gs pos="25000">
-                        <a:schemeClr val="accent1">
-                          <a:shade val="25000"/>
-                          <a:satMod val="190000"/>
-                        </a:schemeClr>
-                      </a:gs>
-                      <a:gs pos="80000">
-                        <a:schemeClr val="accent1">
-                          <a:tint val="75000"/>
-                          <a:satMod val="190000"/>
-                        </a:schemeClr>
-                      </a:gs>
-                    </a:gsLst>
-                    <a:lin ang="5400000"/>
-                  </a:gradFill>
-                  <a:prstDash val="solid"/>
-                </a:ln>
-                <a:solidFill>
-                  <a:srgbClr val="FFFFFF"/>
-                </a:solidFill>
-                <a:effectLst>
-                  <a:outerShdw blurRad="41275" dist="12700" dir="12000000" algn="tl" rotWithShape="0">
-                    <a:srgbClr val="000000">
-                      <a:alpha val="40000"/>
-                    </a:srgbClr>
-                  </a:outerShdw>
-                </a:effectLst>
-              </a:rPr>
-              <a:t>1 - 1</a:t>
-            </a:r>
-          </a:p>
-        </p:txBody>
-      </p:sp>
-      <p:sp>
-        <p:nvSpPr>
-          <p:cNvPr id="22" name="TextBox 21"/>
-          <p:cNvSpPr txBox="1"/>
-          <p:nvPr/>
-        </p:nvSpPr>
-        <p:spPr>
-          <a:xfrm>
-            <a:off x="3944596" y="2099464"/>
-            <a:ext cx="1282296" cy="584776"/>
-          </a:xfrm>
-          <a:prstGeom prst="rect">
-            <a:avLst/>
-          </a:prstGeom>
-          <a:noFill/>
-        </p:spPr>
-        <p:txBody>
-          <a:bodyPr wrap="square" rtlCol="0">
-            <a:spAutoFit/>
-          </a:bodyPr>
-          <a:lstStyle/>
-          <a:p>
-            <a:pPr algn="ctr"/>
-            <a:r>
-              <a:rPr lang="en-US" sz="3200" b="1">
-                <a:ln w="31550" cmpd="sng">
-                  <a:gradFill>
-                    <a:gsLst>
-                      <a:gs pos="25000">
-                        <a:schemeClr val="accent1">
-                          <a:shade val="25000"/>
-                          <a:satMod val="190000"/>
-                        </a:schemeClr>
-                      </a:gs>
-                      <a:gs pos="80000">
-                        <a:schemeClr val="accent1">
-                          <a:tint val="75000"/>
-                          <a:satMod val="190000"/>
-                        </a:schemeClr>
-                      </a:gs>
-                    </a:gsLst>
-                    <a:lin ang="5400000"/>
-                  </a:gradFill>
-                  <a:prstDash val="solid"/>
-                </a:ln>
-                <a:solidFill>
-                  <a:srgbClr val="FFFFFF"/>
-                </a:solidFill>
-                <a:effectLst>
-                  <a:outerShdw blurRad="41275" dist="12700" dir="12000000" algn="tl" rotWithShape="0">
-                    <a:srgbClr val="000000">
-                      <a:alpha val="40000"/>
-                    </a:srgbClr>
-                  </a:outerShdw>
-                </a:effectLst>
-              </a:rPr>
-              <a:t>3 - 2</a:t>
-            </a:r>
-          </a:p>
-        </p:txBody>
-      </p:sp>
-      <p:sp>
-        <p:nvSpPr>
-          <p:cNvPr id="23" name="Oval 22"/>
-          <p:cNvSpPr/>
-          <p:nvPr/>
-        </p:nvSpPr>
-        <p:spPr>
-          <a:xfrm flipV="1">
-            <a:off x="1331149" y="1919221"/>
-            <a:ext cx="329734" cy="354119"/>
-          </a:xfrm>
-          <a:prstGeom prst="ellipse">
-            <a:avLst/>
-          </a:prstGeom>
-        </p:spPr>
-        <p:style>
-          <a:lnRef idx="1">
-            <a:schemeClr val="accent2"/>
-          </a:lnRef>
-          <a:fillRef idx="3">
-            <a:schemeClr val="accent2"/>
-          </a:fillRef>
-          <a:effectRef idx="2">
-            <a:schemeClr val="accent2"/>
-          </a:effectRef>
-          <a:fontRef idx="minor">
-            <a:schemeClr val="lt1"/>
-          </a:fontRef>
-        </p:style>
-        <p:txBody>
-          <a:bodyPr rtlCol="0" anchor="ctr"/>
-          <a:lstStyle/>
-          <a:p>
-            <a:pPr algn="ctr"/>
-            <a:endParaRPr lang="en-US"/>
-          </a:p>
-        </p:txBody>
-      </p:sp>
-      <p:sp>
-        <p:nvSpPr>
-          <p:cNvPr id="24" name="Oval 23"/>
-          <p:cNvSpPr/>
-          <p:nvPr/>
-        </p:nvSpPr>
-        <p:spPr>
-          <a:xfrm flipV="1">
-            <a:off x="449728" y="6333258"/>
-            <a:ext cx="329734" cy="354119"/>
-          </a:xfrm>
-          <a:prstGeom prst="ellipse">
-            <a:avLst/>
-          </a:prstGeom>
-        </p:spPr>
-        <p:style>
-          <a:lnRef idx="1">
-            <a:schemeClr val="accent2"/>
-          </a:lnRef>
-          <a:fillRef idx="3">
-            <a:schemeClr val="accent2"/>
-          </a:fillRef>
-          <a:effectRef idx="2">
-            <a:schemeClr val="accent2"/>
-          </a:effectRef>
-          <a:fontRef idx="minor">
-            <a:schemeClr val="lt1"/>
-          </a:fontRef>
-        </p:style>
-        <p:txBody>
-          <a:bodyPr rtlCol="0" anchor="ctr"/>
-          <a:lstStyle/>
-          <a:p>
-            <a:pPr algn="ctr"/>
-            <a:endParaRPr lang="en-US"/>
-          </a:p>
-        </p:txBody>
-      </p:sp>
-      <p:sp>
-        <p:nvSpPr>
-          <p:cNvPr id="25" name="TextBox 24"/>
-          <p:cNvSpPr txBox="1"/>
-          <p:nvPr/>
-        </p:nvSpPr>
-        <p:spPr>
-          <a:xfrm>
-            <a:off x="903729" y="6325295"/>
-            <a:ext cx="1403750" cy="369332"/>
-          </a:xfrm>
-          <a:prstGeom prst="rect">
-            <a:avLst/>
-          </a:prstGeom>
-          <a:noFill/>
-        </p:spPr>
-        <p:txBody>
-          <a:bodyPr wrap="none" rtlCol="0">
-            <a:spAutoFit/>
-          </a:bodyPr>
-          <a:lstStyle/>
-          <a:p>
-            <a:r>
-              <a:rPr lang="en-US"/>
-              <a:t>Now serving</a:t>
-            </a:r>
-          </a:p>
-        </p:txBody>
-      </p:sp>
-      <p:sp>
-        <p:nvSpPr>
-          <p:cNvPr id="26" name="Rounded Rectangle 25"/>
-          <p:cNvSpPr/>
-          <p:nvPr/>
-        </p:nvSpPr>
-        <p:spPr>
-          <a:xfrm>
-            <a:off x="2137162" y="3908151"/>
-            <a:ext cx="1379998" cy="463068"/>
-          </a:xfrm>
-          <a:prstGeom prst="roundRect">
-            <a:avLst/>
-          </a:prstGeom>
-        </p:spPr>
-        <p:style>
-          <a:lnRef idx="1">
-            <a:schemeClr val="accent5"/>
-          </a:lnRef>
-          <a:fillRef idx="3">
-            <a:schemeClr val="accent5"/>
-          </a:fillRef>
-          <a:effectRef idx="2">
-            <a:schemeClr val="accent5"/>
-          </a:effectRef>
-          <a:fontRef idx="minor">
-            <a:schemeClr val="lt1"/>
-          </a:fontRef>
-        </p:style>
-        <p:txBody>
-          <a:bodyPr rtlCol="0" anchor="ctr"/>
-          <a:lstStyle/>
-          <a:p>
-            <a:pPr algn="ctr"/>
-            <a:r>
-              <a:rPr lang="en-US" sz="2400"/>
-              <a:t>dbl fault</a:t>
-            </a:r>
-          </a:p>
-        </p:txBody>
-      </p:sp>
-      <p:sp>
-        <p:nvSpPr>
-          <p:cNvPr id="27" name="Rounded Rectangle 26"/>
-          <p:cNvSpPr/>
-          <p:nvPr/>
-        </p:nvSpPr>
-        <p:spPr>
-          <a:xfrm>
-            <a:off x="5635728" y="3211016"/>
-            <a:ext cx="1379998" cy="464493"/>
-          </a:xfrm>
-          <a:prstGeom prst="roundRect">
-            <a:avLst/>
-          </a:prstGeom>
-        </p:spPr>
-        <p:style>
-          <a:lnRef idx="1">
-            <a:schemeClr val="accent5"/>
-          </a:lnRef>
-          <a:fillRef idx="3">
-            <a:schemeClr val="accent5"/>
-          </a:fillRef>
-          <a:effectRef idx="2">
-            <a:schemeClr val="accent5"/>
-          </a:effectRef>
-          <a:fontRef idx="minor">
-            <a:schemeClr val="lt1"/>
-          </a:fontRef>
-        </p:style>
-        <p:txBody>
-          <a:bodyPr rtlCol="0" anchor="ctr"/>
-          <a:lstStyle/>
-          <a:p>
-            <a:pPr algn="ctr"/>
-            <a:r>
-              <a:rPr lang="en-US" sz="2400"/>
-              <a:t>ace</a:t>
-            </a:r>
-          </a:p>
-        </p:txBody>
-      </p:sp>
-      <p:sp>
-        <p:nvSpPr>
-          <p:cNvPr id="28" name="Rounded Rectangle 27"/>
-          <p:cNvSpPr/>
-          <p:nvPr/>
-        </p:nvSpPr>
-        <p:spPr>
-          <a:xfrm>
-            <a:off x="5635728" y="4603861"/>
-            <a:ext cx="1379999" cy="463068"/>
-          </a:xfrm>
-          <a:prstGeom prst="roundRect">
-            <a:avLst/>
-          </a:prstGeom>
-        </p:spPr>
-        <p:style>
-          <a:lnRef idx="1">
-            <a:schemeClr val="accent5"/>
-          </a:lnRef>
-          <a:fillRef idx="3">
-            <a:schemeClr val="accent5"/>
-          </a:fillRef>
-          <a:effectRef idx="2">
-            <a:schemeClr val="accent5"/>
-          </a:effectRef>
-          <a:fontRef idx="minor">
-            <a:schemeClr val="lt1"/>
-          </a:fontRef>
-        </p:style>
-        <p:txBody>
-          <a:bodyPr rtlCol="0" anchor="ctr"/>
-          <a:lstStyle/>
-          <a:p>
-            <a:pPr algn="ctr"/>
-            <a:r>
-              <a:rPr lang="en-US" sz="2400"/>
-              <a:t>winner</a:t>
-            </a:r>
-          </a:p>
-        </p:txBody>
-      </p:sp>
-      <p:sp>
-        <p:nvSpPr>
-          <p:cNvPr id="29" name="Rounded Rectangle 28"/>
-          <p:cNvSpPr/>
-          <p:nvPr/>
-        </p:nvSpPr>
-        <p:spPr>
-          <a:xfrm>
-            <a:off x="5635728" y="5299572"/>
-            <a:ext cx="1379999" cy="456725"/>
-          </a:xfrm>
-          <a:prstGeom prst="roundRect">
-            <a:avLst/>
-          </a:prstGeom>
-        </p:spPr>
-        <p:style>
-          <a:lnRef idx="1">
-            <a:schemeClr val="accent5"/>
-          </a:lnRef>
-          <a:fillRef idx="3">
-            <a:schemeClr val="accent5"/>
-          </a:fillRef>
-          <a:effectRef idx="2">
-            <a:schemeClr val="accent5"/>
-          </a:effectRef>
-          <a:fontRef idx="minor">
-            <a:schemeClr val="lt1"/>
-          </a:fontRef>
-        </p:style>
-        <p:txBody>
-          <a:bodyPr rtlCol="0" anchor="ctr"/>
-          <a:lstStyle/>
-          <a:p>
-            <a:pPr algn="ctr"/>
-            <a:r>
-              <a:rPr lang="en-US" sz="2400"/>
-              <a:t>error</a:t>
-            </a:r>
-          </a:p>
-        </p:txBody>
-      </p:sp>
-      <p:sp>
-        <p:nvSpPr>
-          <p:cNvPr id="30" name="Rounded Rectangle 29"/>
-          <p:cNvSpPr/>
-          <p:nvPr/>
-        </p:nvSpPr>
-        <p:spPr>
-          <a:xfrm>
-            <a:off x="5635728" y="3908151"/>
-            <a:ext cx="1379998" cy="463068"/>
-          </a:xfrm>
-          <a:prstGeom prst="roundRect">
-            <a:avLst/>
-          </a:prstGeom>
-        </p:spPr>
-        <p:style>
-          <a:lnRef idx="1">
-            <a:schemeClr val="accent5"/>
-          </a:lnRef>
-          <a:fillRef idx="3">
-            <a:schemeClr val="accent5"/>
-          </a:fillRef>
-          <a:effectRef idx="2">
-            <a:schemeClr val="accent5"/>
-          </a:effectRef>
-          <a:fontRef idx="minor">
-            <a:schemeClr val="lt1"/>
-          </a:fontRef>
-        </p:style>
-        <p:txBody>
-          <a:bodyPr rtlCol="0" anchor="ctr"/>
-          <a:lstStyle/>
-          <a:p>
-            <a:pPr algn="ctr"/>
-            <a:r>
-              <a:rPr lang="en-US" sz="2400"/>
-              <a:t>dbl fault</a:t>
-            </a:r>
+              <a:rPr lang="en-US" sz="3200"/>
+              <a:t>Statistics</a:t>
+            </a:r>
+            <a:endParaRPr lang="en-US" sz="3200"/>
           </a:p>
         </p:txBody>
       </p:sp>
@@ -4821,6 +4241,972 @@
       </p:grpSpPr>
       <p:sp>
         <p:nvSpPr>
+          <p:cNvPr id="4" name="Title 3"/>
+          <p:cNvSpPr>
+            <a:spLocks noGrp="1"/>
+          </p:cNvSpPr>
+          <p:nvPr>
+            <p:ph type="title"/>
+          </p:nvPr>
+        </p:nvSpPr>
+        <p:spPr/>
+        <p:txBody>
+          <a:bodyPr/>
+          <a:lstStyle/>
+          <a:p>
+            <a:r>
+              <a:rPr lang="en-US" u="sng"/>
+              <a:t>Point tracker</a:t>
+            </a:r>
+          </a:p>
+        </p:txBody>
+      </p:sp>
+      <p:sp>
+        <p:nvSpPr>
+          <p:cNvPr id="2" name="Rectangle 1"/>
+          <p:cNvSpPr/>
+          <p:nvPr/>
+        </p:nvSpPr>
+        <p:spPr>
+          <a:xfrm>
+            <a:off x="3893613" y="2731817"/>
+            <a:ext cx="3821731" cy="778808"/>
+          </a:xfrm>
+          <a:prstGeom prst="rect">
+            <a:avLst/>
+          </a:prstGeom>
+        </p:spPr>
+        <p:style>
+          <a:lnRef idx="1">
+            <a:schemeClr val="accent1"/>
+          </a:lnRef>
+          <a:fillRef idx="3">
+            <a:schemeClr val="accent1"/>
+          </a:fillRef>
+          <a:effectRef idx="2">
+            <a:schemeClr val="accent1"/>
+          </a:effectRef>
+          <a:fontRef idx="minor">
+            <a:schemeClr val="lt1"/>
+          </a:fontRef>
+        </p:style>
+        <p:txBody>
+          <a:bodyPr rtlCol="0" anchor="ctr"/>
+          <a:lstStyle/>
+          <a:p>
+            <a:pPr algn="ctr"/>
+            <a:r>
+              <a:rPr lang="en-US" sz="3600"/>
+              <a:t>Nadal</a:t>
+            </a:r>
+          </a:p>
+        </p:txBody>
+      </p:sp>
+      <p:sp>
+        <p:nvSpPr>
+          <p:cNvPr id="3" name="TextBox 2"/>
+          <p:cNvSpPr txBox="1"/>
+          <p:nvPr/>
+        </p:nvSpPr>
+        <p:spPr>
+          <a:xfrm>
+            <a:off x="1090212" y="2827669"/>
+            <a:ext cx="2132501" cy="646331"/>
+          </a:xfrm>
+          <a:prstGeom prst="rect">
+            <a:avLst/>
+          </a:prstGeom>
+          <a:noFill/>
+        </p:spPr>
+        <p:txBody>
+          <a:bodyPr wrap="square" rtlCol="0">
+            <a:spAutoFit/>
+          </a:bodyPr>
+          <a:lstStyle/>
+          <a:p>
+            <a:r>
+              <a:rPr lang="en-US" sz="3600"/>
+              <a:t>Player 1:</a:t>
+            </a:r>
+          </a:p>
+        </p:txBody>
+      </p:sp>
+      <p:sp>
+        <p:nvSpPr>
+          <p:cNvPr id="31" name="Rectangle 30"/>
+          <p:cNvSpPr/>
+          <p:nvPr/>
+        </p:nvSpPr>
+        <p:spPr>
+          <a:xfrm>
+            <a:off x="3893613" y="4178235"/>
+            <a:ext cx="3821731" cy="778808"/>
+          </a:xfrm>
+          <a:prstGeom prst="rect">
+            <a:avLst/>
+          </a:prstGeom>
+        </p:spPr>
+        <p:style>
+          <a:lnRef idx="1">
+            <a:schemeClr val="accent1"/>
+          </a:lnRef>
+          <a:fillRef idx="3">
+            <a:schemeClr val="accent1"/>
+          </a:fillRef>
+          <a:effectRef idx="2">
+            <a:schemeClr val="accent1"/>
+          </a:effectRef>
+          <a:fontRef idx="minor">
+            <a:schemeClr val="lt1"/>
+          </a:fontRef>
+        </p:style>
+        <p:txBody>
+          <a:bodyPr rtlCol="0" anchor="ctr"/>
+          <a:lstStyle/>
+          <a:p>
+            <a:pPr algn="ctr"/>
+            <a:r>
+              <a:rPr lang="en-US" sz="3600"/>
+              <a:t>Federer</a:t>
+            </a:r>
+          </a:p>
+        </p:txBody>
+      </p:sp>
+      <p:sp>
+        <p:nvSpPr>
+          <p:cNvPr id="32" name="TextBox 31"/>
+          <p:cNvSpPr txBox="1"/>
+          <p:nvPr/>
+        </p:nvSpPr>
+        <p:spPr>
+          <a:xfrm>
+            <a:off x="1090212" y="4274087"/>
+            <a:ext cx="2132501" cy="646331"/>
+          </a:xfrm>
+          <a:prstGeom prst="rect">
+            <a:avLst/>
+          </a:prstGeom>
+          <a:noFill/>
+        </p:spPr>
+        <p:txBody>
+          <a:bodyPr wrap="square" rtlCol="0">
+            <a:spAutoFit/>
+          </a:bodyPr>
+          <a:lstStyle/>
+          <a:p>
+            <a:r>
+              <a:rPr lang="en-US" sz="3600"/>
+              <a:t>Player 2:</a:t>
+            </a:r>
+          </a:p>
+        </p:txBody>
+      </p:sp>
+    </p:spTree>
+    <p:extLst>
+      <p:ext uri="{BB962C8B-B14F-4D97-AF65-F5344CB8AC3E}">
+        <p14:creationId xmlns:p14="http://schemas.microsoft.com/office/powerpoint/2010/main" val="2116130765"/>
+      </p:ext>
+    </p:extLst>
+  </p:cSld>
+  <p:clrMapOvr>
+    <a:masterClrMapping/>
+  </p:clrMapOvr>
+  <p:timing>
+    <p:tnLst>
+      <p:par>
+        <p:cTn xmlns:p14="http://schemas.microsoft.com/office/powerpoint/2010/main" id="1" dur="indefinite" restart="never" nodeType="tmRoot"/>
+      </p:par>
+    </p:tnLst>
+  </p:timing>
+</p:sld>
+</file>
+
+<file path=ppt/slides/slide4.xml><?xml version="1.0" encoding="utf-8"?>
+<p:sld xmlns:a="http://schemas.openxmlformats.org/drawingml/2006/main" xmlns:r="http://schemas.openxmlformats.org/officeDocument/2006/relationships" xmlns:p="http://schemas.openxmlformats.org/presentationml/2006/main">
+  <p:cSld>
+    <p:spTree>
+      <p:nvGrpSpPr>
+        <p:cNvPr id="1" name=""/>
+        <p:cNvGrpSpPr/>
+        <p:nvPr/>
+      </p:nvGrpSpPr>
+      <p:grpSpPr>
+        <a:xfrm>
+          <a:off x="0" y="0"/>
+          <a:ext cx="0" cy="0"/>
+          <a:chOff x="0" y="0"/>
+          <a:chExt cx="0" cy="0"/>
+        </a:xfrm>
+      </p:grpSpPr>
+      <p:sp>
+        <p:nvSpPr>
+          <p:cNvPr id="4" name="Title 3"/>
+          <p:cNvSpPr>
+            <a:spLocks noGrp="1"/>
+          </p:cNvSpPr>
+          <p:nvPr>
+            <p:ph type="title"/>
+          </p:nvPr>
+        </p:nvSpPr>
+        <p:spPr/>
+        <p:txBody>
+          <a:bodyPr/>
+          <a:lstStyle/>
+          <a:p>
+            <a:r>
+              <a:rPr lang="en-US" u="sng"/>
+              <a:t>Point tracker</a:t>
+            </a:r>
+          </a:p>
+        </p:txBody>
+      </p:sp>
+      <p:sp>
+        <p:nvSpPr>
+          <p:cNvPr id="6" name="Rectangle 5"/>
+          <p:cNvSpPr/>
+          <p:nvPr/>
+        </p:nvSpPr>
+        <p:spPr>
+          <a:xfrm>
+            <a:off x="1294513" y="1882588"/>
+            <a:ext cx="2222648" cy="999207"/>
+          </a:xfrm>
+          <a:prstGeom prst="rect">
+            <a:avLst/>
+          </a:prstGeom>
+        </p:spPr>
+        <p:style>
+          <a:lnRef idx="1">
+            <a:schemeClr val="accent1"/>
+          </a:lnRef>
+          <a:fillRef idx="3">
+            <a:schemeClr val="accent1"/>
+          </a:fillRef>
+          <a:effectRef idx="2">
+            <a:schemeClr val="accent1"/>
+          </a:effectRef>
+          <a:fontRef idx="minor">
+            <a:schemeClr val="lt1"/>
+          </a:fontRef>
+        </p:style>
+        <p:txBody>
+          <a:bodyPr rtlCol="0" anchor="ctr"/>
+          <a:lstStyle/>
+          <a:p>
+            <a:pPr algn="ctr"/>
+            <a:r>
+              <a:rPr lang="en-US" sz="4000"/>
+              <a:t>Nadal</a:t>
+            </a:r>
+          </a:p>
+        </p:txBody>
+      </p:sp>
+      <p:sp>
+        <p:nvSpPr>
+          <p:cNvPr id="7" name="Rectangle 6"/>
+          <p:cNvSpPr/>
+          <p:nvPr/>
+        </p:nvSpPr>
+        <p:spPr>
+          <a:xfrm>
+            <a:off x="5635728" y="1882588"/>
+            <a:ext cx="2222648" cy="999207"/>
+          </a:xfrm>
+          <a:prstGeom prst="rect">
+            <a:avLst/>
+          </a:prstGeom>
+        </p:spPr>
+        <p:style>
+          <a:lnRef idx="1">
+            <a:schemeClr val="accent1"/>
+          </a:lnRef>
+          <a:fillRef idx="3">
+            <a:schemeClr val="accent1"/>
+          </a:fillRef>
+          <a:effectRef idx="2">
+            <a:schemeClr val="accent1"/>
+          </a:effectRef>
+          <a:fontRef idx="minor">
+            <a:schemeClr val="lt1"/>
+          </a:fontRef>
+        </p:style>
+        <p:txBody>
+          <a:bodyPr rtlCol="0" anchor="ctr"/>
+          <a:lstStyle/>
+          <a:p>
+            <a:pPr algn="ctr"/>
+            <a:r>
+              <a:rPr lang="en-US" sz="4000"/>
+              <a:t>Federer</a:t>
+            </a:r>
+          </a:p>
+        </p:txBody>
+      </p:sp>
+      <p:sp>
+        <p:nvSpPr>
+          <p:cNvPr id="8" name="TextBox 7"/>
+          <p:cNvSpPr txBox="1"/>
+          <p:nvPr/>
+        </p:nvSpPr>
+        <p:spPr>
+          <a:xfrm>
+            <a:off x="3810256" y="1587429"/>
+            <a:ext cx="1502120" cy="707886"/>
+          </a:xfrm>
+          <a:prstGeom prst="rect">
+            <a:avLst/>
+          </a:prstGeom>
+          <a:noFill/>
+        </p:spPr>
+        <p:txBody>
+          <a:bodyPr wrap="square" rtlCol="0">
+            <a:spAutoFit/>
+          </a:bodyPr>
+          <a:lstStyle/>
+          <a:p>
+            <a:pPr algn="ctr"/>
+            <a:r>
+              <a:rPr lang="en-US" sz="4000"/>
+              <a:t>15 - 30</a:t>
+            </a:r>
+          </a:p>
+        </p:txBody>
+      </p:sp>
+      <p:sp>
+        <p:nvSpPr>
+          <p:cNvPr id="14" name="Rounded Rectangle 13"/>
+          <p:cNvSpPr/>
+          <p:nvPr/>
+        </p:nvSpPr>
+        <p:spPr>
+          <a:xfrm>
+            <a:off x="2137162" y="3211016"/>
+            <a:ext cx="1379998" cy="464493"/>
+          </a:xfrm>
+          <a:prstGeom prst="roundRect">
+            <a:avLst/>
+          </a:prstGeom>
+        </p:spPr>
+        <p:style>
+          <a:lnRef idx="1">
+            <a:schemeClr val="accent5"/>
+          </a:lnRef>
+          <a:fillRef idx="3">
+            <a:schemeClr val="accent5"/>
+          </a:fillRef>
+          <a:effectRef idx="2">
+            <a:schemeClr val="accent5"/>
+          </a:effectRef>
+          <a:fontRef idx="minor">
+            <a:schemeClr val="lt1"/>
+          </a:fontRef>
+        </p:style>
+        <p:txBody>
+          <a:bodyPr rtlCol="0" anchor="ctr"/>
+          <a:lstStyle/>
+          <a:p>
+            <a:pPr algn="ctr"/>
+            <a:r>
+              <a:rPr lang="en-US" sz="2400"/>
+              <a:t>ace</a:t>
+            </a:r>
+          </a:p>
+        </p:txBody>
+      </p:sp>
+      <p:sp>
+        <p:nvSpPr>
+          <p:cNvPr id="16" name="Rounded Rectangle 15"/>
+          <p:cNvSpPr/>
+          <p:nvPr/>
+        </p:nvSpPr>
+        <p:spPr>
+          <a:xfrm>
+            <a:off x="2137162" y="4603861"/>
+            <a:ext cx="1379999" cy="463068"/>
+          </a:xfrm>
+          <a:prstGeom prst="roundRect">
+            <a:avLst/>
+          </a:prstGeom>
+        </p:spPr>
+        <p:style>
+          <a:lnRef idx="1">
+            <a:schemeClr val="accent5"/>
+          </a:lnRef>
+          <a:fillRef idx="3">
+            <a:schemeClr val="accent5"/>
+          </a:fillRef>
+          <a:effectRef idx="2">
+            <a:schemeClr val="accent5"/>
+          </a:effectRef>
+          <a:fontRef idx="minor">
+            <a:schemeClr val="lt1"/>
+          </a:fontRef>
+        </p:style>
+        <p:txBody>
+          <a:bodyPr rtlCol="0" anchor="ctr"/>
+          <a:lstStyle/>
+          <a:p>
+            <a:pPr algn="ctr"/>
+            <a:r>
+              <a:rPr lang="en-US" sz="2400"/>
+              <a:t>winner</a:t>
+            </a:r>
+          </a:p>
+        </p:txBody>
+      </p:sp>
+      <p:sp>
+        <p:nvSpPr>
+          <p:cNvPr id="18" name="Rounded Rectangle 17"/>
+          <p:cNvSpPr/>
+          <p:nvPr/>
+        </p:nvSpPr>
+        <p:spPr>
+          <a:xfrm>
+            <a:off x="2137162" y="5299572"/>
+            <a:ext cx="1379999" cy="456725"/>
+          </a:xfrm>
+          <a:prstGeom prst="roundRect">
+            <a:avLst/>
+          </a:prstGeom>
+        </p:spPr>
+        <p:style>
+          <a:lnRef idx="1">
+            <a:schemeClr val="accent5"/>
+          </a:lnRef>
+          <a:fillRef idx="3">
+            <a:schemeClr val="accent5"/>
+          </a:fillRef>
+          <a:effectRef idx="2">
+            <a:schemeClr val="accent5"/>
+          </a:effectRef>
+          <a:fontRef idx="minor">
+            <a:schemeClr val="lt1"/>
+          </a:fontRef>
+        </p:style>
+        <p:txBody>
+          <a:bodyPr rtlCol="0" anchor="ctr"/>
+          <a:lstStyle/>
+          <a:p>
+            <a:pPr algn="ctr"/>
+            <a:r>
+              <a:rPr lang="en-US" sz="2400"/>
+              <a:t>error</a:t>
+            </a:r>
+          </a:p>
+        </p:txBody>
+      </p:sp>
+      <p:sp>
+        <p:nvSpPr>
+          <p:cNvPr id="20" name="Rounded Rectangle 19"/>
+          <p:cNvSpPr/>
+          <p:nvPr/>
+        </p:nvSpPr>
+        <p:spPr>
+          <a:xfrm>
+            <a:off x="3944596" y="3028328"/>
+            <a:ext cx="1282296" cy="415174"/>
+          </a:xfrm>
+          <a:prstGeom prst="roundRect">
+            <a:avLst/>
+          </a:prstGeom>
+        </p:spPr>
+        <p:style>
+          <a:lnRef idx="1">
+            <a:schemeClr val="accent4"/>
+          </a:lnRef>
+          <a:fillRef idx="3">
+            <a:schemeClr val="accent4"/>
+          </a:fillRef>
+          <a:effectRef idx="2">
+            <a:schemeClr val="accent4"/>
+          </a:effectRef>
+          <a:fontRef idx="minor">
+            <a:schemeClr val="lt1"/>
+          </a:fontRef>
+        </p:style>
+        <p:txBody>
+          <a:bodyPr rtlCol="0" anchor="ctr"/>
+          <a:lstStyle/>
+          <a:p>
+            <a:pPr algn="ctr"/>
+            <a:r>
+              <a:rPr lang="en-US" sz="2400"/>
+              <a:t>back</a:t>
+            </a:r>
+          </a:p>
+        </p:txBody>
+      </p:sp>
+      <p:sp>
+        <p:nvSpPr>
+          <p:cNvPr id="21" name="TextBox 20"/>
+          <p:cNvSpPr txBox="1"/>
+          <p:nvPr/>
+        </p:nvSpPr>
+        <p:spPr>
+          <a:xfrm>
+            <a:off x="3944596" y="2460278"/>
+            <a:ext cx="1282296" cy="584776"/>
+          </a:xfrm>
+          <a:prstGeom prst="rect">
+            <a:avLst/>
+          </a:prstGeom>
+          <a:noFill/>
+        </p:spPr>
+        <p:txBody>
+          <a:bodyPr wrap="square" rtlCol="0">
+            <a:spAutoFit/>
+          </a:bodyPr>
+          <a:lstStyle/>
+          <a:p>
+            <a:pPr algn="ctr"/>
+            <a:r>
+              <a:rPr lang="en-US" sz="3200" b="1">
+                <a:ln w="31550" cmpd="sng">
+                  <a:gradFill>
+                    <a:gsLst>
+                      <a:gs pos="25000">
+                        <a:schemeClr val="accent1">
+                          <a:shade val="25000"/>
+                          <a:satMod val="190000"/>
+                        </a:schemeClr>
+                      </a:gs>
+                      <a:gs pos="80000">
+                        <a:schemeClr val="accent1">
+                          <a:tint val="75000"/>
+                          <a:satMod val="190000"/>
+                        </a:schemeClr>
+                      </a:gs>
+                    </a:gsLst>
+                    <a:lin ang="5400000"/>
+                  </a:gradFill>
+                  <a:prstDash val="solid"/>
+                </a:ln>
+                <a:solidFill>
+                  <a:srgbClr val="FFFFFF"/>
+                </a:solidFill>
+                <a:effectLst>
+                  <a:outerShdw blurRad="41275" dist="12700" dir="12000000" algn="tl" rotWithShape="0">
+                    <a:srgbClr val="000000">
+                      <a:alpha val="40000"/>
+                    </a:srgbClr>
+                  </a:outerShdw>
+                </a:effectLst>
+              </a:rPr>
+              <a:t>1 - 1</a:t>
+            </a:r>
+          </a:p>
+        </p:txBody>
+      </p:sp>
+      <p:sp>
+        <p:nvSpPr>
+          <p:cNvPr id="22" name="TextBox 21"/>
+          <p:cNvSpPr txBox="1"/>
+          <p:nvPr/>
+        </p:nvSpPr>
+        <p:spPr>
+          <a:xfrm>
+            <a:off x="3944596" y="2099464"/>
+            <a:ext cx="1282296" cy="584776"/>
+          </a:xfrm>
+          <a:prstGeom prst="rect">
+            <a:avLst/>
+          </a:prstGeom>
+          <a:noFill/>
+        </p:spPr>
+        <p:txBody>
+          <a:bodyPr wrap="square" rtlCol="0">
+            <a:spAutoFit/>
+          </a:bodyPr>
+          <a:lstStyle/>
+          <a:p>
+            <a:pPr algn="ctr"/>
+            <a:r>
+              <a:rPr lang="en-US" sz="3200" b="1">
+                <a:ln w="31550" cmpd="sng">
+                  <a:gradFill>
+                    <a:gsLst>
+                      <a:gs pos="25000">
+                        <a:schemeClr val="accent1">
+                          <a:shade val="25000"/>
+                          <a:satMod val="190000"/>
+                        </a:schemeClr>
+                      </a:gs>
+                      <a:gs pos="80000">
+                        <a:schemeClr val="accent1">
+                          <a:tint val="75000"/>
+                          <a:satMod val="190000"/>
+                        </a:schemeClr>
+                      </a:gs>
+                    </a:gsLst>
+                    <a:lin ang="5400000"/>
+                  </a:gradFill>
+                  <a:prstDash val="solid"/>
+                </a:ln>
+                <a:solidFill>
+                  <a:srgbClr val="FFFFFF"/>
+                </a:solidFill>
+                <a:effectLst>
+                  <a:outerShdw blurRad="41275" dist="12700" dir="12000000" algn="tl" rotWithShape="0">
+                    <a:srgbClr val="000000">
+                      <a:alpha val="40000"/>
+                    </a:srgbClr>
+                  </a:outerShdw>
+                </a:effectLst>
+              </a:rPr>
+              <a:t>3 - 2</a:t>
+            </a:r>
+          </a:p>
+        </p:txBody>
+      </p:sp>
+      <p:sp>
+        <p:nvSpPr>
+          <p:cNvPr id="23" name="Oval 22"/>
+          <p:cNvSpPr/>
+          <p:nvPr/>
+        </p:nvSpPr>
+        <p:spPr>
+          <a:xfrm flipV="1">
+            <a:off x="1331149" y="1919221"/>
+            <a:ext cx="329734" cy="354119"/>
+          </a:xfrm>
+          <a:prstGeom prst="ellipse">
+            <a:avLst/>
+          </a:prstGeom>
+        </p:spPr>
+        <p:style>
+          <a:lnRef idx="1">
+            <a:schemeClr val="accent2"/>
+          </a:lnRef>
+          <a:fillRef idx="3">
+            <a:schemeClr val="accent2"/>
+          </a:fillRef>
+          <a:effectRef idx="2">
+            <a:schemeClr val="accent2"/>
+          </a:effectRef>
+          <a:fontRef idx="minor">
+            <a:schemeClr val="lt1"/>
+          </a:fontRef>
+        </p:style>
+        <p:txBody>
+          <a:bodyPr rtlCol="0" anchor="ctr"/>
+          <a:lstStyle/>
+          <a:p>
+            <a:pPr algn="ctr"/>
+            <a:endParaRPr lang="en-US"/>
+          </a:p>
+        </p:txBody>
+      </p:sp>
+      <p:sp>
+        <p:nvSpPr>
+          <p:cNvPr id="24" name="Oval 23"/>
+          <p:cNvSpPr/>
+          <p:nvPr/>
+        </p:nvSpPr>
+        <p:spPr>
+          <a:xfrm flipV="1">
+            <a:off x="449728" y="6333258"/>
+            <a:ext cx="329734" cy="354119"/>
+          </a:xfrm>
+          <a:prstGeom prst="ellipse">
+            <a:avLst/>
+          </a:prstGeom>
+        </p:spPr>
+        <p:style>
+          <a:lnRef idx="1">
+            <a:schemeClr val="accent2"/>
+          </a:lnRef>
+          <a:fillRef idx="3">
+            <a:schemeClr val="accent2"/>
+          </a:fillRef>
+          <a:effectRef idx="2">
+            <a:schemeClr val="accent2"/>
+          </a:effectRef>
+          <a:fontRef idx="minor">
+            <a:schemeClr val="lt1"/>
+          </a:fontRef>
+        </p:style>
+        <p:txBody>
+          <a:bodyPr rtlCol="0" anchor="ctr"/>
+          <a:lstStyle/>
+          <a:p>
+            <a:pPr algn="ctr"/>
+            <a:endParaRPr lang="en-US"/>
+          </a:p>
+        </p:txBody>
+      </p:sp>
+      <p:sp>
+        <p:nvSpPr>
+          <p:cNvPr id="25" name="TextBox 24"/>
+          <p:cNvSpPr txBox="1"/>
+          <p:nvPr/>
+        </p:nvSpPr>
+        <p:spPr>
+          <a:xfrm>
+            <a:off x="903729" y="6325295"/>
+            <a:ext cx="1403750" cy="369332"/>
+          </a:xfrm>
+          <a:prstGeom prst="rect">
+            <a:avLst/>
+          </a:prstGeom>
+          <a:noFill/>
+        </p:spPr>
+        <p:txBody>
+          <a:bodyPr wrap="none" rtlCol="0">
+            <a:spAutoFit/>
+          </a:bodyPr>
+          <a:lstStyle/>
+          <a:p>
+            <a:r>
+              <a:rPr lang="en-US"/>
+              <a:t>Now serving</a:t>
+            </a:r>
+          </a:p>
+        </p:txBody>
+      </p:sp>
+      <p:sp>
+        <p:nvSpPr>
+          <p:cNvPr id="26" name="Rounded Rectangle 25"/>
+          <p:cNvSpPr/>
+          <p:nvPr/>
+        </p:nvSpPr>
+        <p:spPr>
+          <a:xfrm>
+            <a:off x="2137162" y="3908151"/>
+            <a:ext cx="1379998" cy="463068"/>
+          </a:xfrm>
+          <a:prstGeom prst="roundRect">
+            <a:avLst/>
+          </a:prstGeom>
+        </p:spPr>
+        <p:style>
+          <a:lnRef idx="1">
+            <a:schemeClr val="accent5"/>
+          </a:lnRef>
+          <a:fillRef idx="3">
+            <a:schemeClr val="accent5"/>
+          </a:fillRef>
+          <a:effectRef idx="2">
+            <a:schemeClr val="accent5"/>
+          </a:effectRef>
+          <a:fontRef idx="minor">
+            <a:schemeClr val="lt1"/>
+          </a:fontRef>
+        </p:style>
+        <p:txBody>
+          <a:bodyPr rtlCol="0" anchor="ctr"/>
+          <a:lstStyle/>
+          <a:p>
+            <a:pPr algn="ctr"/>
+            <a:r>
+              <a:rPr lang="en-US" sz="2400"/>
+              <a:t>dbl fault</a:t>
+            </a:r>
+          </a:p>
+        </p:txBody>
+      </p:sp>
+      <p:sp>
+        <p:nvSpPr>
+          <p:cNvPr id="27" name="Rounded Rectangle 26"/>
+          <p:cNvSpPr/>
+          <p:nvPr/>
+        </p:nvSpPr>
+        <p:spPr>
+          <a:xfrm>
+            <a:off x="5635728" y="3211016"/>
+            <a:ext cx="1379998" cy="464493"/>
+          </a:xfrm>
+          <a:prstGeom prst="roundRect">
+            <a:avLst/>
+          </a:prstGeom>
+        </p:spPr>
+        <p:style>
+          <a:lnRef idx="1">
+            <a:schemeClr val="accent5"/>
+          </a:lnRef>
+          <a:fillRef idx="3">
+            <a:schemeClr val="accent5"/>
+          </a:fillRef>
+          <a:effectRef idx="2">
+            <a:schemeClr val="accent5"/>
+          </a:effectRef>
+          <a:fontRef idx="minor">
+            <a:schemeClr val="lt1"/>
+          </a:fontRef>
+        </p:style>
+        <p:txBody>
+          <a:bodyPr rtlCol="0" anchor="ctr"/>
+          <a:lstStyle/>
+          <a:p>
+            <a:pPr algn="ctr"/>
+            <a:r>
+              <a:rPr lang="en-US" sz="2400"/>
+              <a:t>ace</a:t>
+            </a:r>
+          </a:p>
+        </p:txBody>
+      </p:sp>
+      <p:sp>
+        <p:nvSpPr>
+          <p:cNvPr id="28" name="Rounded Rectangle 27"/>
+          <p:cNvSpPr/>
+          <p:nvPr/>
+        </p:nvSpPr>
+        <p:spPr>
+          <a:xfrm>
+            <a:off x="5635728" y="4603861"/>
+            <a:ext cx="1379999" cy="463068"/>
+          </a:xfrm>
+          <a:prstGeom prst="roundRect">
+            <a:avLst/>
+          </a:prstGeom>
+        </p:spPr>
+        <p:style>
+          <a:lnRef idx="1">
+            <a:schemeClr val="accent5"/>
+          </a:lnRef>
+          <a:fillRef idx="3">
+            <a:schemeClr val="accent5"/>
+          </a:fillRef>
+          <a:effectRef idx="2">
+            <a:schemeClr val="accent5"/>
+          </a:effectRef>
+          <a:fontRef idx="minor">
+            <a:schemeClr val="lt1"/>
+          </a:fontRef>
+        </p:style>
+        <p:txBody>
+          <a:bodyPr rtlCol="0" anchor="ctr"/>
+          <a:lstStyle/>
+          <a:p>
+            <a:pPr algn="ctr"/>
+            <a:r>
+              <a:rPr lang="en-US" sz="2400"/>
+              <a:t>winner</a:t>
+            </a:r>
+          </a:p>
+        </p:txBody>
+      </p:sp>
+      <p:sp>
+        <p:nvSpPr>
+          <p:cNvPr id="29" name="Rounded Rectangle 28"/>
+          <p:cNvSpPr/>
+          <p:nvPr/>
+        </p:nvSpPr>
+        <p:spPr>
+          <a:xfrm>
+            <a:off x="5635728" y="5299572"/>
+            <a:ext cx="1379999" cy="456725"/>
+          </a:xfrm>
+          <a:prstGeom prst="roundRect">
+            <a:avLst/>
+          </a:prstGeom>
+        </p:spPr>
+        <p:style>
+          <a:lnRef idx="1">
+            <a:schemeClr val="accent5"/>
+          </a:lnRef>
+          <a:fillRef idx="3">
+            <a:schemeClr val="accent5"/>
+          </a:fillRef>
+          <a:effectRef idx="2">
+            <a:schemeClr val="accent5"/>
+          </a:effectRef>
+          <a:fontRef idx="minor">
+            <a:schemeClr val="lt1"/>
+          </a:fontRef>
+        </p:style>
+        <p:txBody>
+          <a:bodyPr rtlCol="0" anchor="ctr"/>
+          <a:lstStyle/>
+          <a:p>
+            <a:pPr algn="ctr"/>
+            <a:r>
+              <a:rPr lang="en-US" sz="2400"/>
+              <a:t>error</a:t>
+            </a:r>
+          </a:p>
+        </p:txBody>
+      </p:sp>
+      <p:sp>
+        <p:nvSpPr>
+          <p:cNvPr id="30" name="Rounded Rectangle 29"/>
+          <p:cNvSpPr/>
+          <p:nvPr/>
+        </p:nvSpPr>
+        <p:spPr>
+          <a:xfrm>
+            <a:off x="5635728" y="3908151"/>
+            <a:ext cx="1379998" cy="463068"/>
+          </a:xfrm>
+          <a:prstGeom prst="roundRect">
+            <a:avLst/>
+          </a:prstGeom>
+        </p:spPr>
+        <p:style>
+          <a:lnRef idx="1">
+            <a:schemeClr val="accent5"/>
+          </a:lnRef>
+          <a:fillRef idx="3">
+            <a:schemeClr val="accent5"/>
+          </a:fillRef>
+          <a:effectRef idx="2">
+            <a:schemeClr val="accent5"/>
+          </a:effectRef>
+          <a:fontRef idx="minor">
+            <a:schemeClr val="lt1"/>
+          </a:fontRef>
+        </p:style>
+        <p:txBody>
+          <a:bodyPr rtlCol="0" anchor="ctr"/>
+          <a:lstStyle/>
+          <a:p>
+            <a:pPr algn="ctr"/>
+            <a:r>
+              <a:rPr lang="en-US" sz="2400"/>
+              <a:t>dbl fault</a:t>
+            </a:r>
+          </a:p>
+        </p:txBody>
+      </p:sp>
+    </p:spTree>
+    <p:extLst>
+      <p:ext uri="{BB962C8B-B14F-4D97-AF65-F5344CB8AC3E}">
+        <p14:creationId xmlns:p14="http://schemas.microsoft.com/office/powerpoint/2010/main" val="1315903688"/>
+      </p:ext>
+    </p:extLst>
+  </p:cSld>
+  <p:clrMapOvr>
+    <a:masterClrMapping/>
+  </p:clrMapOvr>
+  <p:timing>
+    <p:tnLst>
+      <p:par>
+        <p:cTn xmlns:p14="http://schemas.microsoft.com/office/powerpoint/2010/main" id="1" dur="indefinite" restart="never" nodeType="tmRoot"/>
+      </p:par>
+    </p:tnLst>
+  </p:timing>
+</p:sld>
+</file>
+
+<file path=ppt/slides/slide5.xml><?xml version="1.0" encoding="utf-8"?>
+<p:sld xmlns:a="http://schemas.openxmlformats.org/drawingml/2006/main" xmlns:r="http://schemas.openxmlformats.org/officeDocument/2006/relationships" xmlns:p="http://schemas.openxmlformats.org/presentationml/2006/main">
+  <p:cSld>
+    <p:spTree>
+      <p:nvGrpSpPr>
+        <p:cNvPr id="1" name=""/>
+        <p:cNvGrpSpPr/>
+        <p:nvPr/>
+      </p:nvGrpSpPr>
+      <p:grpSpPr>
+        <a:xfrm>
+          <a:off x="0" y="0"/>
+          <a:ext cx="0" cy="0"/>
+          <a:chOff x="0" y="0"/>
+          <a:chExt cx="0" cy="0"/>
+        </a:xfrm>
+      </p:grpSpPr>
+      <p:sp>
+        <p:nvSpPr>
           <p:cNvPr id="2" name="Title 1"/>
           <p:cNvSpPr>
             <a:spLocks noGrp="1"/>
@@ -4879,7 +5265,7 @@
 </p:sld>
 </file>
 
-<file path=ppt/slides/slide4.xml><?xml version="1.0" encoding="utf-8"?>
+<file path=ppt/slides/slide6.xml><?xml version="1.0" encoding="utf-8"?>
 <p:sld xmlns:a="http://schemas.openxmlformats.org/drawingml/2006/main" xmlns:r="http://schemas.openxmlformats.org/officeDocument/2006/relationships" xmlns:p="http://schemas.openxmlformats.org/presentationml/2006/main">
   <p:cSld>
     <p:spTree>
@@ -5448,7 +5834,7 @@
 </p:sld>
 </file>
 
-<file path=ppt/slides/slide5.xml><?xml version="1.0" encoding="utf-8"?>
+<file path=ppt/slides/slide7.xml><?xml version="1.0" encoding="utf-8"?>
 <p:sld xmlns:a="http://schemas.openxmlformats.org/drawingml/2006/main" xmlns:r="http://schemas.openxmlformats.org/officeDocument/2006/relationships" xmlns:p="http://schemas.openxmlformats.org/presentationml/2006/main">
   <p:cSld>
     <p:spTree>
@@ -6413,6 +6799,376 @@
 </p:sld>
 </file>
 
+<file path=ppt/slides/slide8.xml><?xml version="1.0" encoding="utf-8"?>
+<p:sld xmlns:a="http://schemas.openxmlformats.org/drawingml/2006/main" xmlns:r="http://schemas.openxmlformats.org/officeDocument/2006/relationships" xmlns:p="http://schemas.openxmlformats.org/presentationml/2006/main">
+  <p:cSld>
+    <p:spTree>
+      <p:nvGrpSpPr>
+        <p:cNvPr id="1" name=""/>
+        <p:cNvGrpSpPr/>
+        <p:nvPr/>
+      </p:nvGrpSpPr>
+      <p:grpSpPr>
+        <a:xfrm>
+          <a:off x="0" y="0"/>
+          <a:ext cx="0" cy="0"/>
+          <a:chOff x="0" y="0"/>
+          <a:chExt cx="0" cy="0"/>
+        </a:xfrm>
+      </p:grpSpPr>
+      <p:sp>
+        <p:nvSpPr>
+          <p:cNvPr id="2" name="Title 1"/>
+          <p:cNvSpPr>
+            <a:spLocks noGrp="1"/>
+          </p:cNvSpPr>
+          <p:nvPr>
+            <p:ph type="title"/>
+          </p:nvPr>
+        </p:nvSpPr>
+        <p:spPr/>
+        <p:txBody>
+          <a:bodyPr/>
+          <a:lstStyle/>
+          <a:p>
+            <a:r>
+              <a:rPr lang="en-US"/>
+              <a:t>Business Layer</a:t>
+            </a:r>
+          </a:p>
+        </p:txBody>
+      </p:sp>
+      <p:sp>
+        <p:nvSpPr>
+          <p:cNvPr id="4" name="Rectangle 3"/>
+          <p:cNvSpPr/>
+          <p:nvPr/>
+        </p:nvSpPr>
+        <p:spPr>
+          <a:xfrm>
+            <a:off x="1333500" y="2374900"/>
+            <a:ext cx="3073400" cy="419100"/>
+          </a:xfrm>
+          <a:prstGeom prst="rect">
+            <a:avLst/>
+          </a:prstGeom>
+        </p:spPr>
+        <p:style>
+          <a:lnRef idx="1">
+            <a:schemeClr val="accent1"/>
+          </a:lnRef>
+          <a:fillRef idx="3">
+            <a:schemeClr val="accent1"/>
+          </a:fillRef>
+          <a:effectRef idx="2">
+            <a:schemeClr val="accent1"/>
+          </a:effectRef>
+          <a:fontRef idx="minor">
+            <a:schemeClr val="lt1"/>
+          </a:fontRef>
+        </p:style>
+        <p:txBody>
+          <a:bodyPr rtlCol="0" anchor="ctr"/>
+          <a:lstStyle/>
+          <a:p>
+            <a:pPr algn="ctr"/>
+            <a:r>
+              <a:rPr lang="en-US" b="1">
+                <a:solidFill>
+                  <a:schemeClr val="tx1"/>
+                </a:solidFill>
+              </a:rPr>
+              <a:t>MatchController</a:t>
+            </a:r>
+          </a:p>
+        </p:txBody>
+      </p:sp>
+      <p:sp>
+        <p:nvSpPr>
+          <p:cNvPr id="5" name="Rectangle 4"/>
+          <p:cNvSpPr/>
+          <p:nvPr/>
+        </p:nvSpPr>
+        <p:spPr>
+          <a:xfrm>
+            <a:off x="1333500" y="2794000"/>
+            <a:ext cx="3073400" cy="2806700"/>
+          </a:xfrm>
+          <a:prstGeom prst="rect">
+            <a:avLst/>
+          </a:prstGeom>
+        </p:spPr>
+        <p:style>
+          <a:lnRef idx="1">
+            <a:schemeClr val="accent1"/>
+          </a:lnRef>
+          <a:fillRef idx="3">
+            <a:schemeClr val="accent1"/>
+          </a:fillRef>
+          <a:effectRef idx="2">
+            <a:schemeClr val="accent1"/>
+          </a:effectRef>
+          <a:fontRef idx="minor">
+            <a:schemeClr val="lt1"/>
+          </a:fontRef>
+        </p:style>
+        <p:txBody>
+          <a:bodyPr rtlCol="0" anchor="t"/>
+          <a:lstStyle/>
+          <a:p>
+            <a:r>
+              <a:rPr lang="en-US" sz="1600">
+                <a:solidFill>
+                  <a:schemeClr val="bg1"/>
+                </a:solidFill>
+              </a:rPr>
+              <a:t>match: Match</a:t>
+            </a:r>
+          </a:p>
+          <a:p>
+            <a:r>
+              <a:rPr lang="en-US" sz="1600">
+                <a:solidFill>
+                  <a:schemeClr val="bg1"/>
+                </a:solidFill>
+              </a:rPr>
+              <a:t>firstPlayerScore: PlayerScore</a:t>
+            </a:r>
+          </a:p>
+          <a:p>
+            <a:r>
+              <a:rPr lang="en-US" sz="1600">
+                <a:solidFill>
+                  <a:schemeClr val="bg1"/>
+                </a:solidFill>
+              </a:rPr>
+              <a:t>secondPlayerScore: PlayerScore</a:t>
+            </a:r>
+          </a:p>
+          <a:p>
+            <a:r>
+              <a:rPr lang="en-US" sz="1600">
+                <a:solidFill>
+                  <a:schemeClr val="bg1"/>
+                </a:solidFill>
+              </a:rPr>
+              <a:t>startTime: Date</a:t>
+            </a:r>
+          </a:p>
+          <a:p>
+            <a:r>
+              <a:rPr lang="en-US" sz="1600">
+                <a:solidFill>
+                  <a:schemeClr val="bg1"/>
+                </a:solidFill>
+              </a:rPr>
+              <a:t>playerToServe: Player</a:t>
+            </a:r>
+          </a:p>
+          <a:p>
+            <a:r>
+              <a:rPr lang="en-US" sz="1600">
+                <a:solidFill>
+                  <a:schemeClr val="bg1"/>
+                </a:solidFill>
+              </a:rPr>
+              <a:t>--------------------------------------------------</a:t>
+            </a:r>
+          </a:p>
+          <a:p>
+            <a:r>
+              <a:rPr lang="en-US" sz="1600">
+                <a:solidFill>
+                  <a:schemeClr val="bg1"/>
+                </a:solidFill>
+              </a:rPr>
+              <a:t>getSetsString(): String</a:t>
+            </a:r>
+          </a:p>
+          <a:p>
+            <a:r>
+              <a:rPr lang="en-US" sz="1600">
+                <a:solidFill>
+                  <a:schemeClr val="bg1"/>
+                </a:solidFill>
+              </a:rPr>
+              <a:t>getGamesString(): String</a:t>
+            </a:r>
+          </a:p>
+          <a:p>
+            <a:r>
+              <a:rPr lang="en-US" sz="1600">
+                <a:solidFill>
+                  <a:schemeClr val="bg1"/>
+                </a:solidFill>
+              </a:rPr>
+              <a:t>getScoreString(): String</a:t>
+            </a:r>
+          </a:p>
+          <a:p>
+            <a:r>
+              <a:rPr lang="en-US" sz="1600">
+                <a:solidFill>
+                  <a:schemeClr val="bg1"/>
+                </a:solidFill>
+              </a:rPr>
+              <a:t>updateScore(player, type): void</a:t>
+            </a:r>
+          </a:p>
+          <a:p>
+            <a:r>
+              <a:rPr lang="en-US" sz="1600">
+                <a:solidFill>
+                  <a:schemeClr val="bg1"/>
+                </a:solidFill>
+              </a:rPr>
+              <a:t>BackScore(): void</a:t>
+            </a:r>
+          </a:p>
+        </p:txBody>
+      </p:sp>
+      <p:sp>
+        <p:nvSpPr>
+          <p:cNvPr id="6" name="Rectangle 5"/>
+          <p:cNvSpPr/>
+          <p:nvPr/>
+        </p:nvSpPr>
+        <p:spPr>
+          <a:xfrm>
+            <a:off x="5224463" y="2374900"/>
+            <a:ext cx="3073400" cy="419100"/>
+          </a:xfrm>
+          <a:prstGeom prst="rect">
+            <a:avLst/>
+          </a:prstGeom>
+        </p:spPr>
+        <p:style>
+          <a:lnRef idx="1">
+            <a:schemeClr val="accent1"/>
+          </a:lnRef>
+          <a:fillRef idx="3">
+            <a:schemeClr val="accent1"/>
+          </a:fillRef>
+          <a:effectRef idx="2">
+            <a:schemeClr val="accent1"/>
+          </a:effectRef>
+          <a:fontRef idx="minor">
+            <a:schemeClr val="lt1"/>
+          </a:fontRef>
+        </p:style>
+        <p:txBody>
+          <a:bodyPr rtlCol="0" anchor="ctr"/>
+          <a:lstStyle/>
+          <a:p>
+            <a:pPr algn="ctr"/>
+            <a:r>
+              <a:rPr lang="en-US" b="1">
+                <a:solidFill>
+                  <a:srgbClr val="FFFFFF"/>
+                </a:solidFill>
+              </a:rPr>
+              <a:t>PlayerScore</a:t>
+            </a:r>
+          </a:p>
+        </p:txBody>
+      </p:sp>
+      <p:sp>
+        <p:nvSpPr>
+          <p:cNvPr id="7" name="Rectangle 6"/>
+          <p:cNvSpPr/>
+          <p:nvPr/>
+        </p:nvSpPr>
+        <p:spPr>
+          <a:xfrm>
+            <a:off x="5224463" y="2794000"/>
+            <a:ext cx="3073400" cy="1358900"/>
+          </a:xfrm>
+          <a:prstGeom prst="rect">
+            <a:avLst/>
+          </a:prstGeom>
+        </p:spPr>
+        <p:style>
+          <a:lnRef idx="1">
+            <a:schemeClr val="accent1"/>
+          </a:lnRef>
+          <a:fillRef idx="3">
+            <a:schemeClr val="accent1"/>
+          </a:fillRef>
+          <a:effectRef idx="2">
+            <a:schemeClr val="accent1"/>
+          </a:effectRef>
+          <a:fontRef idx="minor">
+            <a:schemeClr val="lt1"/>
+          </a:fontRef>
+        </p:style>
+        <p:txBody>
+          <a:bodyPr rtlCol="0" anchor="t"/>
+          <a:lstStyle/>
+          <a:p>
+            <a:r>
+              <a:rPr lang="en-US" sz="1600">
+                <a:solidFill>
+                  <a:schemeClr val="bg1"/>
+                </a:solidFill>
+              </a:rPr>
+              <a:t>player: Player</a:t>
+            </a:r>
+          </a:p>
+          <a:p>
+            <a:r>
+              <a:rPr lang="en-US" sz="1600">
+                <a:solidFill>
+                  <a:schemeClr val="bg1"/>
+                </a:solidFill>
+              </a:rPr>
+              <a:t>set: int</a:t>
+            </a:r>
+          </a:p>
+          <a:p>
+            <a:r>
+              <a:rPr lang="en-US" sz="1600">
+                <a:solidFill>
+                  <a:schemeClr val="bg1"/>
+                </a:solidFill>
+              </a:rPr>
+              <a:t>game: int</a:t>
+            </a:r>
+          </a:p>
+          <a:p>
+            <a:r>
+              <a:rPr lang="en-US" sz="1600">
+                <a:solidFill>
+                  <a:schemeClr val="bg1"/>
+                </a:solidFill>
+              </a:rPr>
+              <a:t>score: int</a:t>
+            </a:r>
+          </a:p>
+          <a:p>
+            <a:r>
+              <a:rPr lang="en-US" sz="1600">
+                <a:solidFill>
+                  <a:schemeClr val="bg1"/>
+                </a:solidFill>
+              </a:rPr>
+              <a:t>adv: boolean</a:t>
+            </a:r>
+          </a:p>
+        </p:txBody>
+      </p:sp>
+    </p:spTree>
+    <p:extLst>
+      <p:ext uri="{BB962C8B-B14F-4D97-AF65-F5344CB8AC3E}">
+        <p14:creationId xmlns:p14="http://schemas.microsoft.com/office/powerpoint/2010/main" val="735133618"/>
+      </p:ext>
+    </p:extLst>
+  </p:cSld>
+  <p:clrMapOvr>
+    <a:masterClrMapping/>
+  </p:clrMapOvr>
+</p:sld>
+</file>
+
 <file path=ppt/theme/theme1.xml><?xml version="1.0" encoding="utf-8"?>
 <a:theme xmlns:a="http://schemas.openxmlformats.org/drawingml/2006/main" name="Orbit">
   <a:themeElements>

--- a/doc/design.pptx
+++ b/doc/design.pptx
@@ -6878,7 +6878,7 @@
                   <a:schemeClr val="tx1"/>
                 </a:solidFill>
               </a:rPr>
-              <a:t>MatchController</a:t>
+              <a:t>MatchModel</a:t>
             </a:r>
           </a:p>
         </p:txBody>
@@ -7067,7 +7067,7 @@
                   <a:srgbClr val="FFFFFF"/>
                 </a:solidFill>
               </a:rPr>
-              <a:t>PlayerScore</a:t>
+              <a:t>PlayerScoreModel</a:t>
             </a:r>
           </a:p>
         </p:txBody>

--- a/doc/design.pptx
+++ b/doc/design.pptx
@@ -272,11 +272,11 @@
         </c:dLbls>
         <c:marker val="1"/>
         <c:smooth val="0"/>
-        <c:axId val="414123640"/>
-        <c:axId val="414126616"/>
+        <c:axId val="576211752"/>
+        <c:axId val="576214392"/>
       </c:lineChart>
       <c:catAx>
-        <c:axId val="414123640"/>
+        <c:axId val="576211752"/>
         <c:scaling>
           <c:orientation val="minMax"/>
         </c:scaling>
@@ -286,7 +286,7 @@
         <c:majorTickMark val="out"/>
         <c:minorTickMark val="none"/>
         <c:tickLblPos val="nextTo"/>
-        <c:crossAx val="414126616"/>
+        <c:crossAx val="576214392"/>
         <c:crosses val="autoZero"/>
         <c:auto val="1"/>
         <c:lblAlgn val="ctr"/>
@@ -294,7 +294,7 @@
         <c:noMultiLvlLbl val="0"/>
       </c:catAx>
       <c:valAx>
-        <c:axId val="414126616"/>
+        <c:axId val="576214392"/>
         <c:scaling>
           <c:orientation val="minMax"/>
         </c:scaling>
@@ -305,7 +305,7 @@
         <c:majorTickMark val="out"/>
         <c:minorTickMark val="none"/>
         <c:tickLblPos val="nextTo"/>
-        <c:crossAx val="414123640"/>
+        <c:crossAx val="576211752"/>
         <c:crosses val="autoZero"/>
         <c:crossBetween val="between"/>
       </c:valAx>
@@ -521,7 +521,7 @@
           <a:p>
             <a:fld id="{70BA1CFD-BFF0-48BC-9BA5-4974D7A6AB15}" type="datetimeFigureOut">
               <a:rPr lang="en-US" smtClean="0"/>
-              <a:t>29/06/11</a:t>
+              <a:t>10/07/11</a:t>
             </a:fld>
             <a:endParaRPr lang="en-US"/>
           </a:p>
@@ -878,7 +878,7 @@
           <a:p>
             <a:fld id="{70BA1CFD-BFF0-48BC-9BA5-4974D7A6AB15}" type="datetimeFigureOut">
               <a:rPr lang="en-US" smtClean="0"/>
-              <a:t>29/06/11</a:t>
+              <a:t>10/07/11</a:t>
             </a:fld>
             <a:endParaRPr lang="en-US"/>
           </a:p>
@@ -1047,7 +1047,7 @@
           <a:p>
             <a:fld id="{70BA1CFD-BFF0-48BC-9BA5-4974D7A6AB15}" type="datetimeFigureOut">
               <a:rPr lang="en-US" smtClean="0"/>
-              <a:t>29/06/11</a:t>
+              <a:t>10/07/11</a:t>
             </a:fld>
             <a:endParaRPr lang="en-US"/>
           </a:p>
@@ -1226,7 +1226,7 @@
           <a:p>
             <a:fld id="{70BA1CFD-BFF0-48BC-9BA5-4974D7A6AB15}" type="datetimeFigureOut">
               <a:rPr lang="en-US" smtClean="0"/>
-              <a:t>29/06/11</a:t>
+              <a:t>10/07/11</a:t>
             </a:fld>
             <a:endParaRPr lang="en-US"/>
           </a:p>
@@ -1395,7 +1395,7 @@
           <a:p>
             <a:fld id="{70BA1CFD-BFF0-48BC-9BA5-4974D7A6AB15}" type="datetimeFigureOut">
               <a:rPr lang="en-US" smtClean="0"/>
-              <a:t>29/06/11</a:t>
+              <a:t>10/07/11</a:t>
             </a:fld>
             <a:endParaRPr lang="en-US"/>
           </a:p>
@@ -1672,7 +1672,7 @@
           <a:p>
             <a:fld id="{70BA1CFD-BFF0-48BC-9BA5-4974D7A6AB15}" type="datetimeFigureOut">
               <a:rPr lang="en-US" smtClean="0"/>
-              <a:t>29/06/11</a:t>
+              <a:t>10/07/11</a:t>
             </a:fld>
             <a:endParaRPr lang="en-US"/>
           </a:p>
@@ -1964,7 +1964,7 @@
           <a:p>
             <a:fld id="{70BA1CFD-BFF0-48BC-9BA5-4974D7A6AB15}" type="datetimeFigureOut">
               <a:rPr lang="en-US" smtClean="0"/>
-              <a:t>29/06/11</a:t>
+              <a:t>10/07/11</a:t>
             </a:fld>
             <a:endParaRPr lang="en-US"/>
           </a:p>
@@ -2400,7 +2400,7 @@
           <a:p>
             <a:fld id="{70BA1CFD-BFF0-48BC-9BA5-4974D7A6AB15}" type="datetimeFigureOut">
               <a:rPr lang="en-US" smtClean="0"/>
-              <a:t>29/06/11</a:t>
+              <a:t>10/07/11</a:t>
             </a:fld>
             <a:endParaRPr lang="en-US"/>
           </a:p>
@@ -2513,7 +2513,7 @@
           <a:p>
             <a:fld id="{70BA1CFD-BFF0-48BC-9BA5-4974D7A6AB15}" type="datetimeFigureOut">
               <a:rPr lang="en-US" smtClean="0"/>
-              <a:t>29/06/11</a:t>
+              <a:t>10/07/11</a:t>
             </a:fld>
             <a:endParaRPr lang="en-US"/>
           </a:p>
@@ -2603,7 +2603,7 @@
           <a:p>
             <a:fld id="{70BA1CFD-BFF0-48BC-9BA5-4974D7A6AB15}" type="datetimeFigureOut">
               <a:rPr lang="en-US" smtClean="0"/>
-              <a:t>29/06/11</a:t>
+              <a:t>10/07/11</a:t>
             </a:fld>
             <a:endParaRPr lang="en-US"/>
           </a:p>
@@ -2940,7 +2940,7 @@
           <a:p>
             <a:fld id="{70BA1CFD-BFF0-48BC-9BA5-4974D7A6AB15}" type="datetimeFigureOut">
               <a:rPr lang="en-US" smtClean="0"/>
-              <a:t>29/06/11</a:t>
+              <a:t>10/07/11</a:t>
             </a:fld>
             <a:endParaRPr lang="en-US"/>
           </a:p>
@@ -3255,7 +3255,7 @@
           <a:p>
             <a:fld id="{70BA1CFD-BFF0-48BC-9BA5-4974D7A6AB15}" type="datetimeFigureOut">
               <a:rPr lang="en-US" smtClean="0"/>
-              <a:t>29/06/11</a:t>
+              <a:t>10/07/11</a:t>
             </a:fld>
             <a:endParaRPr lang="en-US"/>
           </a:p>
@@ -3501,7 +3501,7 @@
           <a:p>
             <a:fld id="{70BA1CFD-BFF0-48BC-9BA5-4974D7A6AB15}" type="datetimeFigureOut">
               <a:rPr lang="en-US" smtClean="0"/>
-              <a:t>29/06/11</a:t>
+              <a:t>10/07/11</a:t>
             </a:fld>
             <a:endParaRPr lang="en-US"/>
           </a:p>
@@ -4156,7 +4156,6 @@
               <a:rPr lang="en-US" sz="3200"/>
               <a:t>Players</a:t>
             </a:r>
-            <a:endParaRPr lang="en-US" sz="3200"/>
           </a:p>
         </p:txBody>
       </p:sp>
@@ -4198,7 +4197,6 @@
               <a:rPr lang="en-US" sz="3200"/>
               <a:t>Statistics</a:t>
             </a:r>
-            <a:endParaRPr lang="en-US" sz="3200"/>
           </a:p>
         </p:txBody>
       </p:sp>
@@ -4326,7 +4324,7 @@
           <a:p>
             <a:r>
               <a:rPr lang="en-US" sz="3600"/>
-              <a:t>Player 1:</a:t>
+              <a:t>Player 1*:</a:t>
             </a:r>
           </a:p>
         </p:txBody>
@@ -4398,6 +4396,77 @@
               <a:rPr lang="en-US" sz="3600"/>
               <a:t>Player 2:</a:t>
             </a:r>
+          </a:p>
+        </p:txBody>
+      </p:sp>
+      <p:sp>
+        <p:nvSpPr>
+          <p:cNvPr id="7" name="Rounded Rectangle 6"/>
+          <p:cNvSpPr/>
+          <p:nvPr/>
+        </p:nvSpPr>
+        <p:spPr>
+          <a:xfrm>
+            <a:off x="6335346" y="5823017"/>
+            <a:ext cx="1379998" cy="464493"/>
+          </a:xfrm>
+          <a:prstGeom prst="roundRect">
+            <a:avLst/>
+          </a:prstGeom>
+        </p:spPr>
+        <p:style>
+          <a:lnRef idx="1">
+            <a:schemeClr val="accent5"/>
+          </a:lnRef>
+          <a:fillRef idx="3">
+            <a:schemeClr val="accent5"/>
+          </a:fillRef>
+          <a:effectRef idx="2">
+            <a:schemeClr val="accent5"/>
+          </a:effectRef>
+          <a:fontRef idx="minor">
+            <a:schemeClr val="lt1"/>
+          </a:fontRef>
+        </p:style>
+        <p:txBody>
+          <a:bodyPr rtlCol="0" anchor="ctr"/>
+          <a:lstStyle/>
+          <a:p>
+            <a:pPr algn="ctr"/>
+            <a:r>
+              <a:rPr lang="en-US" sz="2400"/>
+              <a:t>Start</a:t>
+            </a:r>
+          </a:p>
+        </p:txBody>
+      </p:sp>
+      <p:sp>
+        <p:nvSpPr>
+          <p:cNvPr id="8" name="TextBox 7"/>
+          <p:cNvSpPr txBox="1"/>
+          <p:nvPr/>
+        </p:nvSpPr>
+        <p:spPr>
+          <a:xfrm>
+            <a:off x="415968" y="5847251"/>
+            <a:ext cx="5092734" cy="461665"/>
+          </a:xfrm>
+          <a:prstGeom prst="rect">
+            <a:avLst/>
+          </a:prstGeom>
+          <a:noFill/>
+        </p:spPr>
+        <p:txBody>
+          <a:bodyPr wrap="square" rtlCol="0">
+            <a:spAutoFit/>
+          </a:bodyPr>
+          <a:lstStyle/>
+          <a:p>
+            <a:r>
+              <a:rPr lang="en-US" sz="2400"/>
+              <a:t>* This player serves first. </a:t>
+            </a:r>
+            <a:endParaRPr lang="en-US" sz="2400"/>
           </a:p>
         </p:txBody>
       </p:sp>
